--- a/_PHP/_MiniProjeto/Docs/Aula_PHP.pptx
+++ b/_PHP/_MiniProjeto/Docs/Aula_PHP.pptx
@@ -1461,7 +1461,7 @@
             <a:fld id="{788D67E0-0B91-4F8D-A5EF-3EBC4F4AC649}" type="datetimeFigureOut">
               <a:rPr lang="pt-BR" smtClean="0"/>
               <a:pPr/>
-              <a:t>29/02/2024</a:t>
+              <a:t>16/09/2024</a:t>
             </a:fld>
             <a:endParaRPr lang="pt-BR"/>
           </a:p>
@@ -1826,7 +1826,7 @@
           <a:p>
             <a:fld id="{D2FE646E-1960-4E0C-BF1C-B564AD1C6933}" type="datetimeFigureOut">
               <a:rPr lang="pt-BR" smtClean="0"/>
-              <a:t>29/02/2024</a:t>
+              <a:t>16/09/2024</a:t>
             </a:fld>
             <a:endParaRPr lang="pt-BR"/>
           </a:p>
@@ -2006,7 +2006,7 @@
           <a:p>
             <a:fld id="{D2FE646E-1960-4E0C-BF1C-B564AD1C6933}" type="datetimeFigureOut">
               <a:rPr lang="pt-BR" smtClean="0"/>
-              <a:t>29/02/2024</a:t>
+              <a:t>16/09/2024</a:t>
             </a:fld>
             <a:endParaRPr lang="pt-BR"/>
           </a:p>
@@ -2196,7 +2196,7 @@
           <a:p>
             <a:fld id="{D2FE646E-1960-4E0C-BF1C-B564AD1C6933}" type="datetimeFigureOut">
               <a:rPr lang="pt-BR" smtClean="0"/>
-              <a:t>29/02/2024</a:t>
+              <a:t>16/09/2024</a:t>
             </a:fld>
             <a:endParaRPr lang="pt-BR"/>
           </a:p>
@@ -2365,7 +2365,7 @@
             <a:fld id="{10239F4B-5394-4E1A-B28D-EFB525AE84E5}" type="datetimeFigureOut">
               <a:rPr lang="pt-BR" smtClean="0"/>
               <a:pPr/>
-              <a:t>29/02/2024</a:t>
+              <a:t>16/09/2024</a:t>
             </a:fld>
             <a:endParaRPr lang="pt-BR"/>
           </a:p>
@@ -2676,7 +2676,7 @@
           <a:p>
             <a:fld id="{D2FE646E-1960-4E0C-BF1C-B564AD1C6933}" type="datetimeFigureOut">
               <a:rPr lang="pt-BR" smtClean="0"/>
-              <a:t>29/02/2024</a:t>
+              <a:t>16/09/2024</a:t>
             </a:fld>
             <a:endParaRPr lang="pt-BR"/>
           </a:p>
@@ -3013,7 +3013,7 @@
             <a:fld id="{10239F4B-5394-4E1A-B28D-EFB525AE84E5}" type="datetimeFigureOut">
               <a:rPr lang="pt-BR" smtClean="0"/>
               <a:pPr/>
-              <a:t>29/02/2024</a:t>
+              <a:t>16/09/2024</a:t>
             </a:fld>
             <a:endParaRPr lang="pt-BR"/>
           </a:p>
@@ -3285,7 +3285,7 @@
             <a:fld id="{10239F4B-5394-4E1A-B28D-EFB525AE84E5}" type="datetimeFigureOut">
               <a:rPr lang="pt-BR" smtClean="0"/>
               <a:pPr/>
-              <a:t>29/02/2024</a:t>
+              <a:t>16/09/2024</a:t>
             </a:fld>
             <a:endParaRPr lang="pt-BR"/>
           </a:p>
@@ -3675,7 +3675,7 @@
             <a:fld id="{10239F4B-5394-4E1A-B28D-EFB525AE84E5}" type="datetimeFigureOut">
               <a:rPr lang="pt-BR" smtClean="0"/>
               <a:pPr/>
-              <a:t>29/02/2024</a:t>
+              <a:t>16/09/2024</a:t>
             </a:fld>
             <a:endParaRPr lang="pt-BR"/>
           </a:p>
@@ -3834,7 +3834,7 @@
           <a:p>
             <a:fld id="{D2FE646E-1960-4E0C-BF1C-B564AD1C6933}" type="datetimeFigureOut">
               <a:rPr lang="pt-BR" smtClean="0"/>
-              <a:t>29/02/2024</a:t>
+              <a:t>16/09/2024</a:t>
             </a:fld>
             <a:endParaRPr lang="pt-BR"/>
           </a:p>
@@ -3941,7 +3941,7 @@
           <a:p>
             <a:fld id="{D2FE646E-1960-4E0C-BF1C-B564AD1C6933}" type="datetimeFigureOut">
               <a:rPr lang="pt-BR" smtClean="0"/>
-              <a:t>29/02/2024</a:t>
+              <a:t>16/09/2024</a:t>
             </a:fld>
             <a:endParaRPr lang="pt-BR"/>
           </a:p>
@@ -4229,7 +4229,7 @@
             <a:fld id="{10239F4B-5394-4E1A-B28D-EFB525AE84E5}" type="datetimeFigureOut">
               <a:rPr lang="pt-BR" smtClean="0"/>
               <a:pPr/>
-              <a:t>29/02/2024</a:t>
+              <a:t>16/09/2024</a:t>
             </a:fld>
             <a:endParaRPr lang="pt-BR"/>
           </a:p>
@@ -4513,7 +4513,7 @@
             <a:fld id="{10239F4B-5394-4E1A-B28D-EFB525AE84E5}" type="datetimeFigureOut">
               <a:rPr lang="pt-BR" smtClean="0"/>
               <a:pPr/>
-              <a:t>29/02/2024</a:t>
+              <a:t>16/09/2024</a:t>
             </a:fld>
             <a:endParaRPr lang="pt-BR"/>
           </a:p>
@@ -4810,7 +4810,7 @@
           <a:p>
             <a:fld id="{D2FE646E-1960-4E0C-BF1C-B564AD1C6933}" type="datetimeFigureOut">
               <a:rPr lang="pt-BR" smtClean="0"/>
-              <a:t>29/02/2024</a:t>
+              <a:t>16/09/2024</a:t>
             </a:fld>
             <a:endParaRPr lang="pt-BR"/>
           </a:p>
@@ -6470,7 +6470,7 @@
         </p:blipFill>
         <p:spPr>
           <a:xfrm>
-            <a:off x="202509" y="332655"/>
+            <a:off x="200938" y="519677"/>
             <a:ext cx="11786982" cy="6192690"/>
           </a:xfrm>
           <a:prstGeom prst="rect">
@@ -6478,6 +6478,72 @@
           </a:prstGeom>
         </p:spPr>
       </p:pic>
+      <p:sp>
+        <p:nvSpPr>
+          <p:cNvPr id="4" name="CaixaDeTexto 3">
+            <a:extLst>
+              <a:ext uri="{FF2B5EF4-FFF2-40B4-BE49-F238E27FC236}">
+                <a16:creationId xmlns:a16="http://schemas.microsoft.com/office/drawing/2014/main" id="{E1CB8910-91C4-21EC-3F74-3F2EA1BCEC6C}"/>
+              </a:ext>
+            </a:extLst>
+          </p:cNvPr>
+          <p:cNvSpPr txBox="1"/>
+          <p:nvPr/>
+        </p:nvSpPr>
+        <p:spPr>
+          <a:xfrm>
+            <a:off x="200938" y="181123"/>
+            <a:ext cx="11786982" cy="338554"/>
+          </a:xfrm>
+          <a:prstGeom prst="rect">
+            <a:avLst/>
+          </a:prstGeom>
+          <a:solidFill>
+            <a:schemeClr val="tx1">
+              <a:lumMod val="85000"/>
+              <a:lumOff val="15000"/>
+            </a:schemeClr>
+          </a:solidFill>
+          <a:ln>
+            <a:noFill/>
+          </a:ln>
+        </p:spPr>
+        <p:txBody>
+          <a:bodyPr wrap="square">
+            <a:spAutoFit/>
+          </a:bodyPr>
+          <a:lstStyle/>
+          <a:p>
+            <a:r>
+              <a:rPr lang="pt-BR" sz="1600" dirty="0">
+                <a:solidFill>
+                  <a:schemeClr val="bg1"/>
+                </a:solidFill>
+                <a:latin typeface="Consolas" panose="020B0609020204030204" pitchFamily="49" charset="0"/>
+              </a:rPr>
+              <a:t>$arquivo = $_FILES['</a:t>
+            </a:r>
+            <a:r>
+              <a:rPr lang="pt-BR" sz="1600" dirty="0" err="1">
+                <a:solidFill>
+                  <a:schemeClr val="bg1"/>
+                </a:solidFill>
+                <a:latin typeface="Consolas" panose="020B0609020204030204" pitchFamily="49" charset="0"/>
+              </a:rPr>
+              <a:t>txtImg</a:t>
+            </a:r>
+            <a:r>
+              <a:rPr lang="pt-BR" sz="1600" dirty="0">
+                <a:solidFill>
+                  <a:schemeClr val="bg1"/>
+                </a:solidFill>
+                <a:latin typeface="Consolas" panose="020B0609020204030204" pitchFamily="49" charset="0"/>
+              </a:rPr>
+              <a:t>'];</a:t>
+            </a:r>
+          </a:p>
+        </p:txBody>
+      </p:sp>
     </p:spTree>
     <p:extLst>
       <p:ext uri="{BB962C8B-B14F-4D97-AF65-F5344CB8AC3E}">

--- a/_PHP/_MiniProjeto/Docs/Aula_PHP.pptx
+++ b/_PHP/_MiniProjeto/Docs/Aula_PHP.pptx
@@ -6303,7 +6303,48 @@
           <a:bodyPr/>
           <a:lstStyle/>
           <a:p>
-            <a:endParaRPr lang="pt-BR" dirty="0"/>
+            <a:r>
+              <a:rPr lang="pt-BR" sz="2000" dirty="0">
+                <a:latin typeface="Consolas" panose="020B0609020204030204" pitchFamily="49" charset="0"/>
+              </a:rPr>
+              <a:t>*** </a:t>
+            </a:r>
+            <a:r>
+              <a:rPr lang="pt-BR" sz="2000" dirty="0" err="1">
+                <a:latin typeface="Consolas" panose="020B0609020204030204" pitchFamily="49" charset="0"/>
+              </a:rPr>
+              <a:t>enctype</a:t>
+            </a:r>
+            <a:r>
+              <a:rPr lang="pt-BR" sz="2000" dirty="0">
+                <a:latin typeface="Consolas" panose="020B0609020204030204" pitchFamily="49" charset="0"/>
+              </a:rPr>
+              <a:t>="</a:t>
+            </a:r>
+            <a:r>
+              <a:rPr lang="pt-BR" sz="2000" dirty="0" err="1">
+                <a:latin typeface="Consolas" panose="020B0609020204030204" pitchFamily="49" charset="0"/>
+              </a:rPr>
+              <a:t>multipart</a:t>
+            </a:r>
+            <a:r>
+              <a:rPr lang="pt-BR" sz="2000" dirty="0">
+                <a:latin typeface="Consolas" panose="020B0609020204030204" pitchFamily="49" charset="0"/>
+              </a:rPr>
+              <a:t>/</a:t>
+            </a:r>
+            <a:r>
+              <a:rPr lang="pt-BR" sz="2000" dirty="0" err="1">
+                <a:latin typeface="Consolas" panose="020B0609020204030204" pitchFamily="49" charset="0"/>
+              </a:rPr>
+              <a:t>form-data</a:t>
+            </a:r>
+            <a:r>
+              <a:rPr lang="pt-BR" sz="2000" dirty="0">
+                <a:latin typeface="Consolas" panose="020B0609020204030204" pitchFamily="49" charset="0"/>
+              </a:rPr>
+              <a:t>" ***</a:t>
+            </a:r>
           </a:p>
         </p:txBody>
       </p:sp>

--- a/_PHP/_MiniProjeto/Docs/Aula_PHP.pptx
+++ b/_PHP/_MiniProjeto/Docs/Aula_PHP.pptx
@@ -1461,7 +1461,7 @@
             <a:fld id="{788D67E0-0B91-4F8D-A5EF-3EBC4F4AC649}" type="datetimeFigureOut">
               <a:rPr lang="pt-BR" smtClean="0"/>
               <a:pPr/>
-              <a:t>16/09/2024</a:t>
+              <a:t>29/02/2024</a:t>
             </a:fld>
             <a:endParaRPr lang="pt-BR"/>
           </a:p>
@@ -1826,7 +1826,7 @@
           <a:p>
             <a:fld id="{D2FE646E-1960-4E0C-BF1C-B564AD1C6933}" type="datetimeFigureOut">
               <a:rPr lang="pt-BR" smtClean="0"/>
-              <a:t>16/09/2024</a:t>
+              <a:t>29/02/2024</a:t>
             </a:fld>
             <a:endParaRPr lang="pt-BR"/>
           </a:p>
@@ -2006,7 +2006,7 @@
           <a:p>
             <a:fld id="{D2FE646E-1960-4E0C-BF1C-B564AD1C6933}" type="datetimeFigureOut">
               <a:rPr lang="pt-BR" smtClean="0"/>
-              <a:t>16/09/2024</a:t>
+              <a:t>29/02/2024</a:t>
             </a:fld>
             <a:endParaRPr lang="pt-BR"/>
           </a:p>
@@ -2196,7 +2196,7 @@
           <a:p>
             <a:fld id="{D2FE646E-1960-4E0C-BF1C-B564AD1C6933}" type="datetimeFigureOut">
               <a:rPr lang="pt-BR" smtClean="0"/>
-              <a:t>16/09/2024</a:t>
+              <a:t>29/02/2024</a:t>
             </a:fld>
             <a:endParaRPr lang="pt-BR"/>
           </a:p>
@@ -2365,7 +2365,7 @@
             <a:fld id="{10239F4B-5394-4E1A-B28D-EFB525AE84E5}" type="datetimeFigureOut">
               <a:rPr lang="pt-BR" smtClean="0"/>
               <a:pPr/>
-              <a:t>16/09/2024</a:t>
+              <a:t>29/02/2024</a:t>
             </a:fld>
             <a:endParaRPr lang="pt-BR"/>
           </a:p>
@@ -2676,7 +2676,7 @@
           <a:p>
             <a:fld id="{D2FE646E-1960-4E0C-BF1C-B564AD1C6933}" type="datetimeFigureOut">
               <a:rPr lang="pt-BR" smtClean="0"/>
-              <a:t>16/09/2024</a:t>
+              <a:t>29/02/2024</a:t>
             </a:fld>
             <a:endParaRPr lang="pt-BR"/>
           </a:p>
@@ -3013,7 +3013,7 @@
             <a:fld id="{10239F4B-5394-4E1A-B28D-EFB525AE84E5}" type="datetimeFigureOut">
               <a:rPr lang="pt-BR" smtClean="0"/>
               <a:pPr/>
-              <a:t>16/09/2024</a:t>
+              <a:t>29/02/2024</a:t>
             </a:fld>
             <a:endParaRPr lang="pt-BR"/>
           </a:p>
@@ -3285,7 +3285,7 @@
             <a:fld id="{10239F4B-5394-4E1A-B28D-EFB525AE84E5}" type="datetimeFigureOut">
               <a:rPr lang="pt-BR" smtClean="0"/>
               <a:pPr/>
-              <a:t>16/09/2024</a:t>
+              <a:t>29/02/2024</a:t>
             </a:fld>
             <a:endParaRPr lang="pt-BR"/>
           </a:p>
@@ -3675,7 +3675,7 @@
             <a:fld id="{10239F4B-5394-4E1A-B28D-EFB525AE84E5}" type="datetimeFigureOut">
               <a:rPr lang="pt-BR" smtClean="0"/>
               <a:pPr/>
-              <a:t>16/09/2024</a:t>
+              <a:t>29/02/2024</a:t>
             </a:fld>
             <a:endParaRPr lang="pt-BR"/>
           </a:p>
@@ -3834,7 +3834,7 @@
           <a:p>
             <a:fld id="{D2FE646E-1960-4E0C-BF1C-B564AD1C6933}" type="datetimeFigureOut">
               <a:rPr lang="pt-BR" smtClean="0"/>
-              <a:t>16/09/2024</a:t>
+              <a:t>29/02/2024</a:t>
             </a:fld>
             <a:endParaRPr lang="pt-BR"/>
           </a:p>
@@ -3941,7 +3941,7 @@
           <a:p>
             <a:fld id="{D2FE646E-1960-4E0C-BF1C-B564AD1C6933}" type="datetimeFigureOut">
               <a:rPr lang="pt-BR" smtClean="0"/>
-              <a:t>16/09/2024</a:t>
+              <a:t>29/02/2024</a:t>
             </a:fld>
             <a:endParaRPr lang="pt-BR"/>
           </a:p>
@@ -4229,7 +4229,7 @@
             <a:fld id="{10239F4B-5394-4E1A-B28D-EFB525AE84E5}" type="datetimeFigureOut">
               <a:rPr lang="pt-BR" smtClean="0"/>
               <a:pPr/>
-              <a:t>16/09/2024</a:t>
+              <a:t>29/02/2024</a:t>
             </a:fld>
             <a:endParaRPr lang="pt-BR"/>
           </a:p>
@@ -4513,7 +4513,7 @@
             <a:fld id="{10239F4B-5394-4E1A-B28D-EFB525AE84E5}" type="datetimeFigureOut">
               <a:rPr lang="pt-BR" smtClean="0"/>
               <a:pPr/>
-              <a:t>16/09/2024</a:t>
+              <a:t>29/02/2024</a:t>
             </a:fld>
             <a:endParaRPr lang="pt-BR"/>
           </a:p>
@@ -4810,7 +4810,7 @@
           <a:p>
             <a:fld id="{D2FE646E-1960-4E0C-BF1C-B564AD1C6933}" type="datetimeFigureOut">
               <a:rPr lang="pt-BR" smtClean="0"/>
-              <a:t>16/09/2024</a:t>
+              <a:t>29/02/2024</a:t>
             </a:fld>
             <a:endParaRPr lang="pt-BR"/>
           </a:p>
@@ -6303,48 +6303,7 @@
           <a:bodyPr/>
           <a:lstStyle/>
           <a:p>
-            <a:r>
-              <a:rPr lang="pt-BR" sz="2000" dirty="0">
-                <a:latin typeface="Consolas" panose="020B0609020204030204" pitchFamily="49" charset="0"/>
-              </a:rPr>
-              <a:t>*** </a:t>
-            </a:r>
-            <a:r>
-              <a:rPr lang="pt-BR" sz="2000" dirty="0" err="1">
-                <a:latin typeface="Consolas" panose="020B0609020204030204" pitchFamily="49" charset="0"/>
-              </a:rPr>
-              <a:t>enctype</a:t>
-            </a:r>
-            <a:r>
-              <a:rPr lang="pt-BR" sz="2000" dirty="0">
-                <a:latin typeface="Consolas" panose="020B0609020204030204" pitchFamily="49" charset="0"/>
-              </a:rPr>
-              <a:t>="</a:t>
-            </a:r>
-            <a:r>
-              <a:rPr lang="pt-BR" sz="2000" dirty="0" err="1">
-                <a:latin typeface="Consolas" panose="020B0609020204030204" pitchFamily="49" charset="0"/>
-              </a:rPr>
-              <a:t>multipart</a:t>
-            </a:r>
-            <a:r>
-              <a:rPr lang="pt-BR" sz="2000" dirty="0">
-                <a:latin typeface="Consolas" panose="020B0609020204030204" pitchFamily="49" charset="0"/>
-              </a:rPr>
-              <a:t>/</a:t>
-            </a:r>
-            <a:r>
-              <a:rPr lang="pt-BR" sz="2000" dirty="0" err="1">
-                <a:latin typeface="Consolas" panose="020B0609020204030204" pitchFamily="49" charset="0"/>
-              </a:rPr>
-              <a:t>form-data</a:t>
-            </a:r>
-            <a:r>
-              <a:rPr lang="pt-BR" sz="2000" dirty="0">
-                <a:latin typeface="Consolas" panose="020B0609020204030204" pitchFamily="49" charset="0"/>
-              </a:rPr>
-              <a:t>" ***</a:t>
-            </a:r>
+            <a:endParaRPr lang="pt-BR" dirty="0"/>
           </a:p>
         </p:txBody>
       </p:sp>
@@ -6511,7 +6470,7 @@
         </p:blipFill>
         <p:spPr>
           <a:xfrm>
-            <a:off x="200938" y="519677"/>
+            <a:off x="202509" y="332655"/>
             <a:ext cx="11786982" cy="6192690"/>
           </a:xfrm>
           <a:prstGeom prst="rect">
@@ -6519,72 +6478,6 @@
           </a:prstGeom>
         </p:spPr>
       </p:pic>
-      <p:sp>
-        <p:nvSpPr>
-          <p:cNvPr id="4" name="CaixaDeTexto 3">
-            <a:extLst>
-              <a:ext uri="{FF2B5EF4-FFF2-40B4-BE49-F238E27FC236}">
-                <a16:creationId xmlns:a16="http://schemas.microsoft.com/office/drawing/2014/main" id="{E1CB8910-91C4-21EC-3F74-3F2EA1BCEC6C}"/>
-              </a:ext>
-            </a:extLst>
-          </p:cNvPr>
-          <p:cNvSpPr txBox="1"/>
-          <p:nvPr/>
-        </p:nvSpPr>
-        <p:spPr>
-          <a:xfrm>
-            <a:off x="200938" y="181123"/>
-            <a:ext cx="11786982" cy="338554"/>
-          </a:xfrm>
-          <a:prstGeom prst="rect">
-            <a:avLst/>
-          </a:prstGeom>
-          <a:solidFill>
-            <a:schemeClr val="tx1">
-              <a:lumMod val="85000"/>
-              <a:lumOff val="15000"/>
-            </a:schemeClr>
-          </a:solidFill>
-          <a:ln>
-            <a:noFill/>
-          </a:ln>
-        </p:spPr>
-        <p:txBody>
-          <a:bodyPr wrap="square">
-            <a:spAutoFit/>
-          </a:bodyPr>
-          <a:lstStyle/>
-          <a:p>
-            <a:r>
-              <a:rPr lang="pt-BR" sz="1600" dirty="0">
-                <a:solidFill>
-                  <a:schemeClr val="bg1"/>
-                </a:solidFill>
-                <a:latin typeface="Consolas" panose="020B0609020204030204" pitchFamily="49" charset="0"/>
-              </a:rPr>
-              <a:t>$arquivo = $_FILES['</a:t>
-            </a:r>
-            <a:r>
-              <a:rPr lang="pt-BR" sz="1600" dirty="0" err="1">
-                <a:solidFill>
-                  <a:schemeClr val="bg1"/>
-                </a:solidFill>
-                <a:latin typeface="Consolas" panose="020B0609020204030204" pitchFamily="49" charset="0"/>
-              </a:rPr>
-              <a:t>txtImg</a:t>
-            </a:r>
-            <a:r>
-              <a:rPr lang="pt-BR" sz="1600" dirty="0">
-                <a:solidFill>
-                  <a:schemeClr val="bg1"/>
-                </a:solidFill>
-                <a:latin typeface="Consolas" panose="020B0609020204030204" pitchFamily="49" charset="0"/>
-              </a:rPr>
-              <a:t>'];</a:t>
-            </a:r>
-          </a:p>
-        </p:txBody>
-      </p:sp>
     </p:spTree>
     <p:extLst>
       <p:ext uri="{BB962C8B-B14F-4D97-AF65-F5344CB8AC3E}">
